--- a/2-9_k_Nearest_Neighbors.pptx
+++ b/2-9_k_Nearest_Neighbors.pptx
@@ -264,7 +264,7 @@
           <a:p>
             <a:fld id="{09691F7C-3E58-4104-B92A-C173A5B3A5BF}" type="datetimeFigureOut">
               <a:rPr lang="ko-KR" altLang="en-US" smtClean="0"/>
-              <a:t>2022-04-04</a:t>
+              <a:t>2022-04-12</a:t>
             </a:fld>
             <a:endParaRPr lang="ko-KR" altLang="en-US"/>
           </a:p>
@@ -462,7 +462,7 @@
           <a:p>
             <a:fld id="{09691F7C-3E58-4104-B92A-C173A5B3A5BF}" type="datetimeFigureOut">
               <a:rPr lang="ko-KR" altLang="en-US" smtClean="0"/>
-              <a:t>2022-04-04</a:t>
+              <a:t>2022-04-12</a:t>
             </a:fld>
             <a:endParaRPr lang="ko-KR" altLang="en-US"/>
           </a:p>
@@ -670,7 +670,7 @@
           <a:p>
             <a:fld id="{09691F7C-3E58-4104-B92A-C173A5B3A5BF}" type="datetimeFigureOut">
               <a:rPr lang="ko-KR" altLang="en-US" smtClean="0"/>
-              <a:t>2022-04-04</a:t>
+              <a:t>2022-04-12</a:t>
             </a:fld>
             <a:endParaRPr lang="ko-KR" altLang="en-US"/>
           </a:p>
@@ -868,7 +868,7 @@
           <a:p>
             <a:fld id="{09691F7C-3E58-4104-B92A-C173A5B3A5BF}" type="datetimeFigureOut">
               <a:rPr lang="ko-KR" altLang="en-US" smtClean="0"/>
-              <a:t>2022-04-04</a:t>
+              <a:t>2022-04-12</a:t>
             </a:fld>
             <a:endParaRPr lang="ko-KR" altLang="en-US"/>
           </a:p>
@@ -1143,7 +1143,7 @@
           <a:p>
             <a:fld id="{09691F7C-3E58-4104-B92A-C173A5B3A5BF}" type="datetimeFigureOut">
               <a:rPr lang="ko-KR" altLang="en-US" smtClean="0"/>
-              <a:t>2022-04-04</a:t>
+              <a:t>2022-04-12</a:t>
             </a:fld>
             <a:endParaRPr lang="ko-KR" altLang="en-US"/>
           </a:p>
@@ -1408,7 +1408,7 @@
           <a:p>
             <a:fld id="{09691F7C-3E58-4104-B92A-C173A5B3A5BF}" type="datetimeFigureOut">
               <a:rPr lang="ko-KR" altLang="en-US" smtClean="0"/>
-              <a:t>2022-04-04</a:t>
+              <a:t>2022-04-12</a:t>
             </a:fld>
             <a:endParaRPr lang="ko-KR" altLang="en-US"/>
           </a:p>
@@ -1820,7 +1820,7 @@
           <a:p>
             <a:fld id="{09691F7C-3E58-4104-B92A-C173A5B3A5BF}" type="datetimeFigureOut">
               <a:rPr lang="ko-KR" altLang="en-US" smtClean="0"/>
-              <a:t>2022-04-04</a:t>
+              <a:t>2022-04-12</a:t>
             </a:fld>
             <a:endParaRPr lang="ko-KR" altLang="en-US"/>
           </a:p>
@@ -1961,7 +1961,7 @@
           <a:p>
             <a:fld id="{09691F7C-3E58-4104-B92A-C173A5B3A5BF}" type="datetimeFigureOut">
               <a:rPr lang="ko-KR" altLang="en-US" smtClean="0"/>
-              <a:t>2022-04-04</a:t>
+              <a:t>2022-04-12</a:t>
             </a:fld>
             <a:endParaRPr lang="ko-KR" altLang="en-US"/>
           </a:p>
@@ -2074,7 +2074,7 @@
           <a:p>
             <a:fld id="{09691F7C-3E58-4104-B92A-C173A5B3A5BF}" type="datetimeFigureOut">
               <a:rPr lang="ko-KR" altLang="en-US" smtClean="0"/>
-              <a:t>2022-04-04</a:t>
+              <a:t>2022-04-12</a:t>
             </a:fld>
             <a:endParaRPr lang="ko-KR" altLang="en-US"/>
           </a:p>
@@ -2385,7 +2385,7 @@
           <a:p>
             <a:fld id="{09691F7C-3E58-4104-B92A-C173A5B3A5BF}" type="datetimeFigureOut">
               <a:rPr lang="ko-KR" altLang="en-US" smtClean="0"/>
-              <a:t>2022-04-04</a:t>
+              <a:t>2022-04-12</a:t>
             </a:fld>
             <a:endParaRPr lang="ko-KR" altLang="en-US"/>
           </a:p>
@@ -2673,7 +2673,7 @@
           <a:p>
             <a:fld id="{09691F7C-3E58-4104-B92A-C173A5B3A5BF}" type="datetimeFigureOut">
               <a:rPr lang="ko-KR" altLang="en-US" smtClean="0"/>
-              <a:t>2022-04-04</a:t>
+              <a:t>2022-04-12</a:t>
             </a:fld>
             <a:endParaRPr lang="ko-KR" altLang="en-US"/>
           </a:p>
@@ -2914,7 +2914,7 @@
           <a:p>
             <a:fld id="{09691F7C-3E58-4104-B92A-C173A5B3A5BF}" type="datetimeFigureOut">
               <a:rPr lang="ko-KR" altLang="en-US" smtClean="0"/>
-              <a:t>2022-04-04</a:t>
+              <a:t>2022-04-12</a:t>
             </a:fld>
             <a:endParaRPr lang="ko-KR" altLang="en-US"/>
           </a:p>
@@ -3429,6 +3429,52 @@
           </a:prstGeom>
         </p:spPr>
       </p:pic>
+      <p:sp>
+        <p:nvSpPr>
+          <p:cNvPr id="5" name="TextBox 4">
+            <a:extLst>
+              <a:ext uri="{FF2B5EF4-FFF2-40B4-BE49-F238E27FC236}">
+                <a16:creationId xmlns:a16="http://schemas.microsoft.com/office/drawing/2014/main" id="{D802ED18-5708-4E84-A037-1BB197A1C895}"/>
+              </a:ext>
+            </a:extLst>
+          </p:cNvPr>
+          <p:cNvSpPr txBox="1"/>
+          <p:nvPr/>
+        </p:nvSpPr>
+        <p:spPr>
+          <a:xfrm>
+            <a:off x="0" y="6211669"/>
+            <a:ext cx="2805576" cy="646331"/>
+          </a:xfrm>
+          <a:prstGeom prst="rect">
+            <a:avLst/>
+          </a:prstGeom>
+          <a:noFill/>
+        </p:spPr>
+        <p:txBody>
+          <a:bodyPr wrap="none" rtlCol="0">
+            <a:spAutoFit/>
+          </a:bodyPr>
+          <a:lstStyle/>
+          <a:p>
+            <a:r>
+              <a:rPr lang="ko-KR" altLang="en-US" dirty="0"/>
+              <a:t>경희대학교 컴퓨터공학과</a:t>
+            </a:r>
+            <a:endParaRPr lang="en-US" altLang="ko-KR" dirty="0"/>
+          </a:p>
+          <a:p>
+            <a:r>
+              <a:rPr lang="en-US" altLang="ko-KR" dirty="0"/>
+              <a:t>2019102191 </a:t>
+            </a:r>
+            <a:r>
+              <a:rPr lang="ko-KR" altLang="en-US" dirty="0"/>
+              <a:t>신주영</a:t>
+            </a:r>
+          </a:p>
+        </p:txBody>
+      </p:sp>
     </p:spTree>
     <p:extLst>
       <p:ext uri="{BB962C8B-B14F-4D97-AF65-F5344CB8AC3E}">
